--- a/training-cards/music moves/Training Cards (TRC)/ger/apprentice/ger_TCR_05_Das_Startgespraech_MM_A.pptx
+++ b/training-cards/music moves/Training Cards (TRC)/ger/apprentice/ger_TCR_05_Das_Startgespraech_MM_A.pptx
@@ -105,6 +105,22 @@
       </a:defRPr>
     </a:lvl9pPr>
   </p:defaultTextStyle>
+  <p:extLst>
+    <p:ext uri="{EFAFB233-063F-42B5-8137-9DF3F51BA10A}">
+      <p15:sldGuideLst xmlns:p15="http://schemas.microsoft.com/office/powerpoint/2012/main">
+        <p15:guide id="1" orient="horz" pos="652">
+          <p15:clr>
+            <a:srgbClr val="A4A3A4"/>
+          </p15:clr>
+        </p15:guide>
+        <p15:guide id="2">
+          <p15:clr>
+            <a:srgbClr val="A4A3A4"/>
+          </p15:clr>
+        </p15:guide>
+      </p15:sldGuideLst>
+    </p:ext>
+  </p:extLst>
 </p:presentation>
 </file>
 
@@ -153,10 +169,9 @@
           </a:lstStyle>
           <a:p>
             <a:r>
-              <a:rPr lang="de-DE" dirty="0" smtClean="0"/>
+              <a:rPr lang="de-DE" dirty="0"/>
               <a:t>TITEL HINZUFÜGEN</a:t>
             </a:r>
-            <a:endParaRPr lang="de-DE" dirty="0"/>
           </a:p>
         </p:txBody>
       </p:sp>
@@ -187,35 +202,35 @@
           <a:p>
             <a:pPr lvl="0"/>
             <a:r>
-              <a:rPr lang="de-DE" smtClean="0"/>
+              <a:rPr lang="de-DE"/>
               <a:t>Mastertextformat bearbeiten</a:t>
             </a:r>
           </a:p>
           <a:p>
             <a:pPr lvl="1"/>
             <a:r>
-              <a:rPr lang="de-DE" smtClean="0"/>
+              <a:rPr lang="de-DE"/>
               <a:t>Zweite Ebene</a:t>
             </a:r>
           </a:p>
           <a:p>
             <a:pPr lvl="2"/>
             <a:r>
-              <a:rPr lang="de-DE" smtClean="0"/>
+              <a:rPr lang="de-DE"/>
               <a:t>Dritte Ebene</a:t>
             </a:r>
           </a:p>
           <a:p>
             <a:pPr lvl="3"/>
             <a:r>
-              <a:rPr lang="de-DE" smtClean="0"/>
+              <a:rPr lang="de-DE"/>
               <a:t>Vierte Ebene</a:t>
             </a:r>
           </a:p>
           <a:p>
             <a:pPr lvl="4"/>
             <a:r>
-              <a:rPr lang="de-DE" smtClean="0"/>
+              <a:rPr lang="de-DE"/>
               <a:t>Fünfte Ebene</a:t>
             </a:r>
             <a:endParaRPr lang="de-DE" dirty="0"/>
@@ -262,7 +277,7 @@
               <a:buNone/>
             </a:pPr>
             <a:r>
-              <a:rPr lang="de-DE" smtClean="0"/>
+              <a:rPr lang="de-DE"/>
               <a:t>Master-Untertitelformat bearbeiten</a:t>
             </a:r>
             <a:endParaRPr lang="de-DE" dirty="0"/>
@@ -378,35 +393,35 @@
           <a:p>
             <a:pPr lvl="0"/>
             <a:r>
-              <a:rPr lang="de-DE" smtClean="0"/>
+              <a:rPr lang="de-DE"/>
               <a:t>Mastertextformat bearbeiten</a:t>
             </a:r>
           </a:p>
           <a:p>
             <a:pPr lvl="1"/>
             <a:r>
-              <a:rPr lang="de-DE" smtClean="0"/>
+              <a:rPr lang="de-DE"/>
               <a:t>Zweite Ebene</a:t>
             </a:r>
           </a:p>
           <a:p>
             <a:pPr lvl="2"/>
             <a:r>
-              <a:rPr lang="de-DE" smtClean="0"/>
+              <a:rPr lang="de-DE"/>
               <a:t>Dritte Ebene</a:t>
             </a:r>
           </a:p>
           <a:p>
             <a:pPr lvl="3"/>
             <a:r>
-              <a:rPr lang="de-DE" smtClean="0"/>
+              <a:rPr lang="de-DE"/>
               <a:t>Vierte Ebene</a:t>
             </a:r>
           </a:p>
           <a:p>
             <a:pPr lvl="4"/>
             <a:r>
-              <a:rPr lang="de-DE" smtClean="0"/>
+              <a:rPr lang="de-DE"/>
               <a:t>Fünfte Ebene</a:t>
             </a:r>
             <a:endParaRPr lang="de-DE" dirty="0"/>
@@ -436,7 +451,7 @@
           <a:lstStyle/>
           <a:p>
             <a:r>
-              <a:rPr lang="de-DE" sz="2400" dirty="0" smtClean="0">
+              <a:rPr lang="de-DE" sz="2400" dirty="0">
                 <a:solidFill>
                   <a:srgbClr val="7E006B"/>
                 </a:solidFill>
@@ -446,7 +461,7 @@
               <a:t>TRAININGS</a:t>
             </a:r>
             <a:r>
-              <a:rPr lang="de-DE" sz="2400" dirty="0" smtClean="0">
+              <a:rPr lang="de-DE" sz="2400" dirty="0">
                 <a:solidFill>
                   <a:srgbClr val="7E006B"/>
                 </a:solidFill>
@@ -497,14 +512,20 @@
       </p:pic>
       <p:sp>
         <p:nvSpPr>
-          <p:cNvPr id="5" name="Shape 7"/>
+          <p:cNvPr id="4" name="Shape 7">
+            <a:extLst>
+              <a:ext uri="{FF2B5EF4-FFF2-40B4-BE49-F238E27FC236}">
+                <a16:creationId xmlns:a16="http://schemas.microsoft.com/office/drawing/2014/main" id="{F08640FE-8974-C7E5-DC09-B60DF0A975A1}"/>
+              </a:ext>
+            </a:extLst>
+          </p:cNvPr>
           <p:cNvSpPr/>
           <p:nvPr userDrawn="1"/>
         </p:nvSpPr>
         <p:spPr>
           <a:xfrm>
-            <a:off x="1683417" y="4952581"/>
-            <a:ext cx="4196016" cy="276995"/>
+            <a:off x="971550" y="4689585"/>
+            <a:ext cx="4691860" cy="461661"/>
           </a:xfrm>
           <a:prstGeom prst="rect">
             <a:avLst/>
@@ -514,12 +535,12 @@
           </a:ln>
           <a:extLst>
             <a:ext uri="{C572A759-6A51-4108-AA02-DFA0A04FC94B}">
-              <ma14:wrappingTextBoxFlag xmlns:ma14="http://schemas.microsoft.com/office/mac/drawingml/2011/main" val="1"/>
+              <ma14:wrappingTextBoxFlag xmlns="" xmlns:ma14="http://schemas.microsoft.com/office/mac/drawingml/2011/main" val="1"/>
             </a:ext>
           </a:extLst>
         </p:spPr>
         <p:txBody>
-          <a:bodyPr wrap="none" lIns="45718" tIns="45718" rIns="45718" bIns="45718">
+          <a:bodyPr wrap="square" lIns="45718" tIns="45718" rIns="45718" bIns="45718">
             <a:spAutoFit/>
           </a:bodyPr>
           <a:lstStyle/>
@@ -528,49 +549,266 @@
               <a:defRPr sz="1800"/>
             </a:pPr>
             <a:r>
-              <a:rPr sz="600" dirty="0">
-                <a:latin typeface="Avenir Light"/>
+              <a:rPr lang="de-DE" sz="800" b="0" i="0" u="none" strike="noStrike" dirty="0" err="1">
+                <a:solidFill>
+                  <a:schemeClr val="tx1">
+                    <a:lumMod val="65000"/>
+                    <a:lumOff val="35000"/>
+                  </a:schemeClr>
+                </a:solidFill>
+                <a:effectLst/>
+                <a:latin typeface="Avenir Book" panose="02000503020000020003" pitchFamily="2" charset="0"/>
+              </a:rPr>
+              <a:t>music</a:t>
+            </a:r>
+            <a:r>
+              <a:rPr lang="de-DE" sz="800" b="0" i="0" u="none" strike="noStrike" dirty="0">
+                <a:solidFill>
+                  <a:schemeClr val="tx1">
+                    <a:lumMod val="65000"/>
+                    <a:lumOff val="35000"/>
+                  </a:schemeClr>
+                </a:solidFill>
+                <a:effectLst/>
+                <a:latin typeface="Avenir Book" panose="02000503020000020003" pitchFamily="2" charset="0"/>
+              </a:rPr>
+              <a:t> </a:t>
+            </a:r>
+            <a:r>
+              <a:rPr lang="de-DE" sz="800" b="0" i="0" u="none" strike="noStrike" dirty="0" err="1">
+                <a:solidFill>
+                  <a:schemeClr val="tx1">
+                    <a:lumMod val="65000"/>
+                    <a:lumOff val="35000"/>
+                  </a:schemeClr>
+                </a:solidFill>
+                <a:effectLst/>
+                <a:latin typeface="Avenir Book" panose="02000503020000020003" pitchFamily="2" charset="0"/>
+              </a:rPr>
+              <a:t>moves</a:t>
+            </a:r>
+            <a:r>
+              <a:rPr lang="de-DE" sz="800" b="0" i="0" u="none" strike="noStrike" dirty="0">
+                <a:solidFill>
+                  <a:schemeClr val="tx1">
+                    <a:lumMod val="65000"/>
+                    <a:lumOff val="35000"/>
+                  </a:schemeClr>
+                </a:solidFill>
+                <a:effectLst/>
+                <a:latin typeface="Avenir Book" panose="02000503020000020003" pitchFamily="2" charset="0"/>
+              </a:rPr>
+              <a:t>-Trainingskarten von Regina Brandhuber sind lizenziert unter einer Creative Commons </a:t>
+            </a:r>
+          </a:p>
+          <a:p>
+            <a:pPr lvl="0" algn="ctr">
+              <a:defRPr sz="1800"/>
+            </a:pPr>
+            <a:r>
+              <a:rPr lang="de-DE" sz="800" b="0" i="0" u="none" strike="noStrike" dirty="0">
+                <a:solidFill>
+                  <a:schemeClr val="tx1">
+                    <a:lumMod val="65000"/>
+                    <a:lumOff val="35000"/>
+                  </a:schemeClr>
+                </a:solidFill>
+                <a:effectLst/>
+                <a:latin typeface="Avenir Book" panose="02000503020000020003" pitchFamily="2" charset="0"/>
+              </a:rPr>
+              <a:t>Namensnennung-Nicht kommerziell 4.0 International Lizenz.</a:t>
+            </a:r>
+          </a:p>
+          <a:p>
+            <a:pPr lvl="0" algn="ctr">
+              <a:defRPr sz="1800"/>
+            </a:pPr>
+            <a:r>
+              <a:rPr lang="de-DE" sz="800" dirty="0">
+                <a:solidFill>
+                  <a:schemeClr val="tx1">
+                    <a:lumMod val="65000"/>
+                    <a:lumOff val="35000"/>
+                  </a:schemeClr>
+                </a:solidFill>
+                <a:latin typeface="Avenir Book" panose="02000503020000020003" pitchFamily="2" charset="0"/>
                 <a:ea typeface="Calibri"/>
                 <a:cs typeface="Avenir Light"/>
                 <a:sym typeface="Calibri"/>
               </a:rPr>
-              <a:t>This work is licensed under the Creative Commons Attribution-NonCommercial-NoDerivatives 4.0 International License. </a:t>
-            </a:r>
-          </a:p>
-          <a:p>
-            <a:pPr lvl="0" algn="ctr">
-              <a:defRPr sz="1800"/>
-            </a:pPr>
-            <a:r>
-              <a:rPr sz="600" dirty="0">
-                <a:latin typeface="Avenir Light"/>
+              <a:t>Nachzulesen unter:</a:t>
+            </a:r>
+            <a:r>
+              <a:rPr sz="800" dirty="0">
+                <a:solidFill>
+                  <a:schemeClr val="tx1">
+                    <a:lumMod val="65000"/>
+                    <a:lumOff val="35000"/>
+                  </a:schemeClr>
+                </a:solidFill>
+                <a:latin typeface="Avenir Book" panose="02000503020000020003" pitchFamily="2" charset="0"/>
                 <a:ea typeface="Calibri"/>
                 <a:cs typeface="Avenir Light"/>
                 <a:sym typeface="Calibri"/>
               </a:rPr>
-              <a:t>To view a copy of this license, visit http://creativecommons.org/licenses/by-nc-nd/4.0/.</a:t>
-            </a:r>
+              <a:t> </a:t>
+            </a:r>
+            <a:r>
+              <a:rPr lang="de-DE" sz="800" dirty="0">
+                <a:solidFill>
+                  <a:schemeClr val="tx1">
+                    <a:lumMod val="65000"/>
+                    <a:lumOff val="35000"/>
+                  </a:schemeClr>
+                </a:solidFill>
+                <a:latin typeface="Avenir Book" panose="02000503020000020003" pitchFamily="2" charset="0"/>
+                <a:ea typeface="Calibri"/>
+                <a:cs typeface="Avenir Light"/>
+                <a:sym typeface="Calibri"/>
+              </a:rPr>
+              <a:t>https://</a:t>
+            </a:r>
+            <a:r>
+              <a:rPr lang="de-DE" sz="800" dirty="0" err="1">
+                <a:solidFill>
+                  <a:schemeClr val="tx1">
+                    <a:lumMod val="65000"/>
+                    <a:lumOff val="35000"/>
+                  </a:schemeClr>
+                </a:solidFill>
+                <a:latin typeface="Avenir Book" panose="02000503020000020003" pitchFamily="2" charset="0"/>
+                <a:ea typeface="Calibri"/>
+                <a:cs typeface="Avenir Light"/>
+                <a:sym typeface="Calibri"/>
+              </a:rPr>
+              <a:t>creativecommons.org</a:t>
+            </a:r>
+            <a:r>
+              <a:rPr lang="de-DE" sz="800" dirty="0">
+                <a:solidFill>
+                  <a:schemeClr val="tx1">
+                    <a:lumMod val="65000"/>
+                    <a:lumOff val="35000"/>
+                  </a:schemeClr>
+                </a:solidFill>
+                <a:latin typeface="Avenir Book" panose="02000503020000020003" pitchFamily="2" charset="0"/>
+                <a:ea typeface="Calibri"/>
+                <a:cs typeface="Avenir Light"/>
+                <a:sym typeface="Calibri"/>
+              </a:rPr>
+              <a:t>/</a:t>
+            </a:r>
+            <a:r>
+              <a:rPr lang="de-DE" sz="800" dirty="0" err="1">
+                <a:solidFill>
+                  <a:schemeClr val="tx1">
+                    <a:lumMod val="65000"/>
+                    <a:lumOff val="35000"/>
+                  </a:schemeClr>
+                </a:solidFill>
+                <a:latin typeface="Avenir Book" panose="02000503020000020003" pitchFamily="2" charset="0"/>
+                <a:ea typeface="Calibri"/>
+                <a:cs typeface="Avenir Light"/>
+                <a:sym typeface="Calibri"/>
+              </a:rPr>
+              <a:t>licenses</a:t>
+            </a:r>
+            <a:r>
+              <a:rPr lang="de-DE" sz="800" dirty="0">
+                <a:solidFill>
+                  <a:schemeClr val="tx1">
+                    <a:lumMod val="65000"/>
+                    <a:lumOff val="35000"/>
+                  </a:schemeClr>
+                </a:solidFill>
+                <a:latin typeface="Avenir Book" panose="02000503020000020003" pitchFamily="2" charset="0"/>
+                <a:ea typeface="Calibri"/>
+                <a:cs typeface="Avenir Light"/>
+                <a:sym typeface="Calibri"/>
+              </a:rPr>
+              <a:t>/</a:t>
+            </a:r>
+            <a:r>
+              <a:rPr lang="de-DE" sz="800" dirty="0" err="1">
+                <a:solidFill>
+                  <a:schemeClr val="tx1">
+                    <a:lumMod val="65000"/>
+                    <a:lumOff val="35000"/>
+                  </a:schemeClr>
+                </a:solidFill>
+                <a:latin typeface="Avenir Book" panose="02000503020000020003" pitchFamily="2" charset="0"/>
+                <a:ea typeface="Calibri"/>
+                <a:cs typeface="Avenir Light"/>
+                <a:sym typeface="Calibri"/>
+              </a:rPr>
+              <a:t>by-nc</a:t>
+            </a:r>
+            <a:r>
+              <a:rPr lang="de-DE" sz="800" dirty="0">
+                <a:solidFill>
+                  <a:schemeClr val="tx1">
+                    <a:lumMod val="65000"/>
+                    <a:lumOff val="35000"/>
+                  </a:schemeClr>
+                </a:solidFill>
+                <a:latin typeface="Avenir Book" panose="02000503020000020003" pitchFamily="2" charset="0"/>
+                <a:ea typeface="Calibri"/>
+                <a:cs typeface="Avenir Light"/>
+                <a:sym typeface="Calibri"/>
+              </a:rPr>
+              <a:t>/4.0/</a:t>
+            </a:r>
+            <a:r>
+              <a:rPr lang="de-DE" sz="800" dirty="0" err="1">
+                <a:solidFill>
+                  <a:schemeClr val="tx1">
+                    <a:lumMod val="65000"/>
+                    <a:lumOff val="35000"/>
+                  </a:schemeClr>
+                </a:solidFill>
+                <a:latin typeface="Avenir Book" panose="02000503020000020003" pitchFamily="2" charset="0"/>
+                <a:ea typeface="Calibri"/>
+                <a:cs typeface="Avenir Light"/>
+                <a:sym typeface="Calibri"/>
+              </a:rPr>
+              <a:t>deed.de</a:t>
+            </a:r>
+            <a:endParaRPr sz="800" dirty="0">
+              <a:solidFill>
+                <a:schemeClr val="tx1">
+                  <a:lumMod val="65000"/>
+                  <a:lumOff val="35000"/>
+                </a:schemeClr>
+              </a:solidFill>
+              <a:latin typeface="Avenir Book" panose="02000503020000020003" pitchFamily="2" charset="0"/>
+              <a:ea typeface="Calibri"/>
+              <a:cs typeface="Avenir Light"/>
+              <a:sym typeface="Calibri"/>
+            </a:endParaRPr>
           </a:p>
         </p:txBody>
       </p:sp>
       <p:pic>
         <p:nvPicPr>
-          <p:cNvPr id="6" name="pasted-image.tif"/>
+          <p:cNvPr id="8" name="pasted-image.tif">
+            <a:extLst>
+              <a:ext uri="{FF2B5EF4-FFF2-40B4-BE49-F238E27FC236}">
+                <a16:creationId xmlns:a16="http://schemas.microsoft.com/office/drawing/2014/main" id="{3BEDBA92-C201-4D2A-9120-6144DA003918}"/>
+              </a:ext>
+            </a:extLst>
+          </p:cNvPr>
           <p:cNvPicPr/>
           <p:nvPr userDrawn="1"/>
         </p:nvPicPr>
-        <p:blipFill>
-          <a:blip r:embed="rId4">
-            <a:extLst/>
-          </a:blip>
-          <a:stretch>
-            <a:fillRect/>
-          </a:stretch>
+        <p:blipFill rotWithShape="1">
+          <a:blip r:embed="rId4"/>
+          <a:srcRect r="24777" b="-3233"/>
+          <a:stretch/>
         </p:blipFill>
         <p:spPr>
           <a:xfrm>
-            <a:off x="6174185" y="4992838"/>
-            <a:ext cx="886619" cy="214128"/>
+            <a:off x="5724347" y="4733926"/>
+            <a:ext cx="1009828" cy="333374"/>
           </a:xfrm>
           <a:prstGeom prst="rect">
             <a:avLst/>
@@ -580,58 +818,6 @@
           </a:ln>
         </p:spPr>
       </p:pic>
-      <p:sp>
-        <p:nvSpPr>
-          <p:cNvPr id="7" name="Textfeld 6"/>
-          <p:cNvSpPr txBox="1"/>
-          <p:nvPr userDrawn="1"/>
-        </p:nvSpPr>
-        <p:spPr>
-          <a:xfrm>
-            <a:off x="239285" y="4936890"/>
-            <a:ext cx="1044856" cy="276999"/>
-          </a:xfrm>
-          <a:prstGeom prst="rect">
-            <a:avLst/>
-          </a:prstGeom>
-          <a:noFill/>
-        </p:spPr>
-        <p:txBody>
-          <a:bodyPr wrap="square" rtlCol="0">
-            <a:spAutoFit/>
-          </a:bodyPr>
-          <a:lstStyle/>
-          <a:p>
-            <a:r>
-              <a:rPr lang="de-DE" sz="600" dirty="0">
-                <a:solidFill>
-                  <a:srgbClr val="5D5E5F"/>
-                </a:solidFill>
-                <a:latin typeface="Avenir Light"/>
-                <a:cs typeface="Avenir Light"/>
-              </a:rPr>
-              <a:t>Letzte Änderung: </a:t>
-            </a:r>
-            <a:fld id="{7A8C7DAC-E536-564C-B5B3-90E8FAB50562}" type="datetime1">
-              <a:rPr lang="de-DE" sz="600" smtClean="0">
-                <a:solidFill>
-                  <a:srgbClr val="5D5E5F"/>
-                </a:solidFill>
-                <a:latin typeface="Avenir Light"/>
-                <a:cs typeface="Avenir Light"/>
-              </a:rPr>
-              <a:t>24.01.16</a:t>
-            </a:fld>
-            <a:endParaRPr lang="de-DE" sz="600" dirty="0">
-              <a:solidFill>
-                <a:srgbClr val="5D5E5F"/>
-              </a:solidFill>
-              <a:latin typeface="Avenir Light"/>
-              <a:cs typeface="Avenir Light"/>
-            </a:endParaRPr>
-          </a:p>
-        </p:txBody>
-      </p:sp>
     </p:spTree>
     <p:extLst>
       <p:ext uri="{BB962C8B-B14F-4D97-AF65-F5344CB8AC3E}">
@@ -678,10 +864,9 @@
           <a:lstStyle/>
           <a:p>
             <a:r>
-              <a:rPr lang="de-DE" smtClean="0"/>
+              <a:rPr lang="de-DE"/>
               <a:t>Mastertitelformat bearbeiten</a:t>
             </a:r>
-            <a:endParaRPr lang="de-DE"/>
           </a:p>
         </p:txBody>
       </p:sp>
@@ -702,7 +887,7 @@
           <a:p>
             <a:fld id="{FF5B2BAF-DF38-0A48-A798-0C06E514FD52}" type="datetimeFigureOut">
               <a:rPr lang="de-DE" smtClean="0"/>
-              <a:t>24.01.16</a:t>
+              <a:t>25.07.23</a:t>
             </a:fld>
             <a:endParaRPr lang="de-DE" dirty="0"/>
           </a:p>
@@ -813,17 +998,16 @@
           <a:p>
             <a:pPr marL="0" lvl="0" algn="l"/>
             <a:r>
-              <a:rPr lang="de-DE" dirty="0" smtClean="0"/>
+              <a:rPr lang="de-DE" dirty="0"/>
               <a:t>Überschrift </a:t>
             </a:r>
             <a:br>
-              <a:rPr lang="de-DE" dirty="0" smtClean="0"/>
+              <a:rPr lang="de-DE" dirty="0"/>
             </a:br>
             <a:r>
-              <a:rPr lang="de-DE" dirty="0" smtClean="0"/>
+              <a:rPr lang="de-DE" dirty="0"/>
               <a:t>bearbeiten </a:t>
             </a:r>
-            <a:endParaRPr lang="de-DE" dirty="0"/>
           </a:p>
         </p:txBody>
       </p:sp>
@@ -854,38 +1038,37 @@
           <a:p>
             <a:pPr lvl="0"/>
             <a:r>
-              <a:rPr lang="de-DE" dirty="0" smtClean="0"/>
+              <a:rPr lang="de-DE" dirty="0"/>
               <a:t>Mastertextformat bearbeiten</a:t>
             </a:r>
           </a:p>
           <a:p>
             <a:pPr lvl="1"/>
             <a:r>
-              <a:rPr lang="de-DE" dirty="0" smtClean="0"/>
+              <a:rPr lang="de-DE" dirty="0"/>
               <a:t>Zweite Ebene</a:t>
             </a:r>
           </a:p>
           <a:p>
             <a:pPr lvl="2"/>
             <a:r>
-              <a:rPr lang="de-DE" dirty="0" smtClean="0"/>
+              <a:rPr lang="de-DE" dirty="0"/>
               <a:t>Dritte Ebene</a:t>
             </a:r>
           </a:p>
           <a:p>
             <a:pPr lvl="3"/>
             <a:r>
-              <a:rPr lang="de-DE" dirty="0" smtClean="0"/>
+              <a:rPr lang="de-DE" dirty="0"/>
               <a:t>Vierte Ebene</a:t>
             </a:r>
           </a:p>
           <a:p>
             <a:pPr lvl="4"/>
             <a:r>
-              <a:rPr lang="de-DE" dirty="0" smtClean="0"/>
+              <a:rPr lang="de-DE" dirty="0"/>
               <a:t>Fünfte Ebene</a:t>
             </a:r>
-            <a:endParaRPr lang="de-DE" dirty="0"/>
           </a:p>
         </p:txBody>
       </p:sp>
@@ -924,7 +1107,7 @@
           <a:p>
             <a:fld id="{FF5B2BAF-DF38-0A48-A798-0C06E514FD52}" type="datetimeFigureOut">
               <a:rPr lang="de-DE" smtClean="0"/>
-              <a:t>24.01.16</a:t>
+              <a:t>25.07.23</a:t>
             </a:fld>
             <a:endParaRPr lang="de-DE" dirty="0"/>
           </a:p>
@@ -1158,7 +1341,7 @@
           <a:lstStyle/>
           <a:p>
             <a:r>
-              <a:rPr lang="de-DE" sz="1050" b="1" dirty="0" smtClean="0">
+              <a:rPr lang="de-DE" sz="1050" b="1" dirty="0">
                 <a:solidFill>
                   <a:schemeClr val="bg1"/>
                 </a:solidFill>
@@ -1168,7 +1351,7 @@
               <a:t>TRAININGSKARTE</a:t>
             </a:r>
             <a:r>
-              <a:rPr lang="de-DE" sz="1050" dirty="0" smtClean="0">
+              <a:rPr lang="de-DE" sz="1050" dirty="0">
                 <a:solidFill>
                   <a:schemeClr val="bg1"/>
                 </a:solidFill>
@@ -1178,7 +1361,7 @@
               <a:t> </a:t>
             </a:r>
             <a:r>
-              <a:rPr lang="de-DE" sz="1050" b="1" dirty="0" smtClean="0">
+              <a:rPr lang="de-DE" sz="1050" b="1" dirty="0">
                 <a:solidFill>
                   <a:schemeClr val="bg1"/>
                 </a:solidFill>
@@ -1187,13 +1370,6 @@
               </a:rPr>
               <a:t>TCR 05</a:t>
             </a:r>
-            <a:endParaRPr lang="de-DE" sz="1050" b="1" dirty="0">
-              <a:solidFill>
-                <a:schemeClr val="bg1"/>
-              </a:solidFill>
-              <a:latin typeface="Avenir Heavy"/>
-              <a:cs typeface="Avenir Heavy"/>
-            </a:endParaRPr>
           </a:p>
         </p:txBody>
       </p:sp>
@@ -1576,17 +1752,16 @@
           <a:lstStyle/>
           <a:p>
             <a:r>
-              <a:rPr lang="de-DE" dirty="0" smtClean="0">
+              <a:rPr lang="de-DE" dirty="0">
                 <a:latin typeface="Avenir Heavy"/>
                 <a:cs typeface="Avenir Heavy"/>
               </a:rPr>
               <a:t>DAS START</a:t>
             </a:r>
             <a:r>
-              <a:rPr lang="de-DE" dirty="0" smtClean="0"/>
+              <a:rPr lang="de-DE" dirty="0"/>
               <a:t>GESPRÄCH</a:t>
             </a:r>
-            <a:endParaRPr lang="de-DE" dirty="0"/>
           </a:p>
         </p:txBody>
       </p:sp>
@@ -1673,10 +1848,9 @@
               <a:buNone/>
             </a:pPr>
             <a:r>
-              <a:rPr lang="de-DE" dirty="0" smtClean="0"/>
+              <a:rPr lang="de-DE" dirty="0"/>
               <a:t>Regina Brandhuber</a:t>
             </a:r>
-            <a:endParaRPr lang="de-DE" dirty="0"/>
           </a:p>
         </p:txBody>
       </p:sp>

--- a/training-cards/music moves/Training Cards (TRC)/ger/apprentice/ger_TCR_05_Das_Startgespraech_MM_A.pptx
+++ b/training-cards/music moves/Training Cards (TRC)/ger/apprentice/ger_TCR_05_Das_Startgespraech_MM_A.pptx
@@ -535,7 +535,7 @@
           </a:ln>
           <a:extLst>
             <a:ext uri="{C572A759-6A51-4108-AA02-DFA0A04FC94B}">
-              <ma14:wrappingTextBoxFlag xmlns="" xmlns:ma14="http://schemas.microsoft.com/office/mac/drawingml/2011/main" val="1"/>
+              <ma14:wrappingTextBoxFlag xmlns:ma14="http://schemas.microsoft.com/office/mac/drawingml/2011/main" xmlns="" val="1"/>
             </a:ext>
           </a:extLst>
         </p:spPr>
@@ -887,7 +887,7 @@
           <a:p>
             <a:fld id="{FF5B2BAF-DF38-0A48-A798-0C06E514FD52}" type="datetimeFigureOut">
               <a:rPr lang="de-DE" smtClean="0"/>
-              <a:t>25.07.23</a:t>
+              <a:t>24.10.25</a:t>
             </a:fld>
             <a:endParaRPr lang="de-DE" dirty="0"/>
           </a:p>
@@ -1107,7 +1107,7 @@
           <a:p>
             <a:fld id="{FF5B2BAF-DF38-0A48-A798-0C06E514FD52}" type="datetimeFigureOut">
               <a:rPr lang="de-DE" smtClean="0"/>
-              <a:t>25.07.23</a:t>
+              <a:t>24.10.25</a:t>
             </a:fld>
             <a:endParaRPr lang="de-DE" dirty="0"/>
           </a:p>
@@ -1775,56 +1775,50 @@
             <p:ph idx="13"/>
           </p:nvPr>
         </p:nvSpPr>
-        <p:spPr/>
+        <p:spPr>
+          <a:xfrm>
+            <a:off x="858838" y="1568452"/>
+            <a:ext cx="6011545" cy="3363312"/>
+          </a:xfrm>
+        </p:spPr>
         <p:txBody>
           <a:bodyPr>
             <a:noAutofit/>
           </a:bodyPr>
           <a:lstStyle/>
           <a:p>
+            <a:pPr algn="just"/>
             <a:r>
               <a:rPr lang="de-DE" sz="1200" dirty="0"/>
               <a:t>Dein Training beginnt mit deiner Verbindlichkeitserklärung. Wie und was genau möchtest Du trainieren?</a:t>
             </a:r>
           </a:p>
           <a:p>
+            <a:pPr algn="just"/>
             <a:r>
               <a:rPr lang="de-DE" sz="1200" dirty="0"/>
-              <a:t>Wenn Du Deinen Move kennst und ihn konkret beschreiben kannst, kannst Du ihn auch wiederholen, dokumentieren und messen.</a:t>
-            </a:r>
-          </a:p>
-          <a:p>
+              <a:t>Wenn Du Deinen Move kennst und ihn konkret aufschreibst, kannst Du ihn auch wiederholen, dokumentieren und messen.</a:t>
+            </a:r>
+          </a:p>
+          <a:p>
+            <a:pPr algn="just"/>
             <a:r>
               <a:rPr lang="de-DE" sz="1200" dirty="0"/>
-              <a:t>Wichtig für ein sinnvolles Training ist, dass Du Dir kleine Schritte aussuchst, die sich absolut machbar und leicht anfühlen. Überanstrengung führt Dich nicht zum Ziel, sondern Dein Weg. Und den gehst Du in vielen kleinen Schritten. Jeder einzelne darf sich mühelos anfühlen.</a:t>
-            </a:r>
-          </a:p>
-          <a:p>
+              <a:t>Wichtig für ein sinnvolles Training ist, dass Du Dir kleine Schritte aussuchst, die sich absolut machbar und leicht anfühlen. Neue Gewohnheiten anzugehen ist ohnehin schon Anstrengung genug. Maßgeblich für Folgeschritte ist, dass ein erster gemacht wurde. Designe Dir diese Erfahrung so angenehm wie möglich. So steigt, die Wahrscheinlichkeit, dass Du sie erleben wirst.</a:t>
+            </a:r>
+          </a:p>
+          <a:p>
+            <a:pPr algn="just"/>
             <a:r>
               <a:rPr lang="de-DE" sz="1200" dirty="0"/>
-              <a:t>Um Deinen Trainingsvorsatz greifbarer zu machen und ihm eine Anbindung an Dein Team zu geben, ist es wichtig, ein Gespräch darüber zu führen. Hier holst Du Dir grünes Licht für Dein Training und diskutierst über dessen Sinn und Ziel. Gleichzeitig findest Du  </a:t>
-            </a:r>
-            <a:r>
-              <a:rPr lang="de-DE" sz="1200" dirty="0" err="1"/>
-              <a:t>Zertifizierer</a:t>
-            </a:r>
+              <a:t>Um Deinen Trainingsvorsatz greifbarer zu machen und ihm eine Anbindung an Deine Welt zu geben, ist es sinnvoll, ein Gespräch darüber zu führen. Hier holst Du Dir Feedback für Dein Training und diskutierst über dessen Sinn und Ziel. Gleichzeitig findest Du Begleitpersonen und zeigst Deinem Training Wertschätzung, weil Dir ihre Meinung wichtig ist.</a:t>
+            </a:r>
+          </a:p>
+          <a:p>
+            <a:pPr algn="just"/>
             <a:r>
               <a:rPr lang="de-DE" sz="1200" dirty="0"/>
-              <a:t> und gibst Deinem Training damit einen offizielleren Charakter.</a:t>
-            </a:r>
-          </a:p>
-          <a:p>
-            <a:r>
-              <a:rPr lang="de-DE" sz="1200" dirty="0"/>
-              <a:t>Dein Training beginnt umgehend nach Deinem Startgespräch mit Deinem Team. Jetzt stehen Deine </a:t>
-            </a:r>
-            <a:r>
-              <a:rPr lang="de-DE" sz="1200" dirty="0" err="1"/>
-              <a:t>Zertifizierer</a:t>
-            </a:r>
-            <a:r>
-              <a:rPr lang="de-DE" sz="1200" dirty="0"/>
-              <a:t> fest und Deine Trainingsaufgaben sind dokumentiert. Los geht´s und viel Spaß!</a:t>
+              <a:t>Nach Deinem Startgespräch bist Du bereits mitten im Training. Du hattest Zeugen für Dein Trainingsversprechen, und Deine Trainingsaufgaben sind dokumentiert. Die Veränderung hat bereits begonnen....</a:t>
             </a:r>
           </a:p>
         </p:txBody>
@@ -1899,23 +1893,39 @@
           <a:bodyPr/>
           <a:lstStyle/>
           <a:p>
+            <a:pPr algn="just"/>
             <a:r>
               <a:rPr lang="de-DE" dirty="0"/>
               <a:t>Trainiere diese Karte (insgesamt 2 Mal) als Startpunkt zum Entstehungsprozess von 2 Trainingskarten. Somit erlebst Du diesen Move in zwei verschiedenen Varianten.</a:t>
             </a:r>
           </a:p>
           <a:p>
+            <a:pPr algn="just"/>
             <a:r>
               <a:rPr lang="de-DE" dirty="0"/>
               <a:t>Für jede Variante hast du 2 Wochen Zeit, also insgesamt 4 Wochen. Natürlich kannst Du auch gleich 2 Trainingskarten parallel entstehen lassen und diese Karte zusammen mit den anderen verschränkten Karten innerhalb von 2 Wochen erledigen.</a:t>
             </a:r>
           </a:p>
           <a:p>
-            <a:r>
-              <a:rPr lang="de-DE"/>
-              <a:t>Führe insgesamt 2 Startgespräche für ein Training Deiner Wahl, dokumentiere die Ergebnisse und lass Dich von Deinem Team dafür zertifizieren.</a:t>
-            </a:r>
-            <a:endParaRPr lang="de-DE" dirty="0"/>
+            <a:pPr algn="just"/>
+            <a:r>
+              <a:rPr lang="de-DE" dirty="0"/>
+              <a:t>Schreibe Dir 2 Ideen für Dein Training auf.</a:t>
+            </a:r>
+          </a:p>
+          <a:p>
+            <a:pPr algn="just"/>
+            <a:r>
+              <a:rPr lang="de-DE" dirty="0"/>
+              <a:t>Diskutiere beide Ideen in je einem Startgespräch, und dokumentiere ebenfalls alle Ergebnisse, z. B. Veränderungen, die Dein Training verbessern.</a:t>
+            </a:r>
+          </a:p>
+          <a:p>
+            <a:pPr algn="just"/>
+            <a:r>
+              <a:rPr lang="de-DE" dirty="0"/>
+              <a:t>Lass Dich von Deinem Team dafür zertifizieren.</a:t>
+            </a:r>
           </a:p>
         </p:txBody>
       </p:sp>
